--- a/Proposal - Azure Devops - CSC global.pptx
+++ b/Proposal - Azure Devops - CSC global.pptx
@@ -265,7 +265,7 @@
           <a:p>
             <a:fld id="{7AA64B99-89A5-0741-917D-F1E7FD46FE7A}" type="datetimeFigureOut">
               <a:rPr lang="en-US" smtClean="0"/>
-              <a:t>10/29/2025</a:t>
+              <a:t>11/20/2025</a:t>
             </a:fld>
             <a:endParaRPr lang="en-US"/>
           </a:p>
@@ -442,7 +442,7 @@
           <a:p>
             <a:fld id="{2D836CE6-5034-F64B-B166-C8ADB9025842}" type="datetimeFigureOut">
               <a:rPr lang="en-US" smtClean="0"/>
-              <a:t>10/29/2025</a:t>
+              <a:t>11/20/2025</a:t>
             </a:fld>
             <a:endParaRPr lang="en-US"/>
           </a:p>
@@ -9886,7 +9886,7 @@
                 </a:solidFill>
               </a:rPr>
               <a:pPr/>
-              <a:t>10/29/2025</a:t>
+              <a:t>11/20/2025</a:t>
             </a:fld>
             <a:endParaRPr lang="en-US">
               <a:solidFill>
@@ -10532,7 +10532,7 @@
                 </a:solidFill>
               </a:rPr>
               <a:pPr/>
-              <a:t>10/29/2025</a:t>
+              <a:t>11/20/2025</a:t>
             </a:fld>
             <a:endParaRPr lang="en-US">
               <a:solidFill>
@@ -10829,7 +10829,7 @@
                 </a:solidFill>
               </a:rPr>
               <a:pPr/>
-              <a:t>10/29/2025</a:t>
+              <a:t>11/20/2025</a:t>
             </a:fld>
             <a:endParaRPr lang="en-US">
               <a:solidFill>
@@ -11273,7 +11273,7 @@
                 </a:solidFill>
               </a:rPr>
               <a:pPr/>
-              <a:t>10/29/2025</a:t>
+              <a:t>11/20/2025</a:t>
             </a:fld>
             <a:endParaRPr lang="en-US">
               <a:solidFill>
@@ -11711,7 +11711,7 @@
                 </a:solidFill>
               </a:rPr>
               <a:pPr/>
-              <a:t>10/29/2025</a:t>
+              <a:t>11/20/2025</a:t>
             </a:fld>
             <a:endParaRPr lang="en-US">
               <a:solidFill>
@@ -12031,7 +12031,7 @@
                 </a:solidFill>
               </a:rPr>
               <a:pPr/>
-              <a:t>10/29/2025</a:t>
+              <a:t>11/20/2025</a:t>
             </a:fld>
             <a:endParaRPr lang="en-US">
               <a:solidFill>
@@ -12261,7 +12261,7 @@
                 </a:solidFill>
               </a:rPr>
               <a:pPr/>
-              <a:t>10/29/2025</a:t>
+              <a:t>11/20/2025</a:t>
             </a:fld>
             <a:endParaRPr lang="en-US">
               <a:solidFill>
@@ -12501,7 +12501,7 @@
                 </a:solidFill>
               </a:rPr>
               <a:pPr/>
-              <a:t>10/29/2025</a:t>
+              <a:t>11/20/2025</a:t>
             </a:fld>
             <a:endParaRPr lang="en-US">
               <a:solidFill>
@@ -20451,7 +20451,7 @@
           <a:p>
             <a:fld id="{C764DE79-268F-4C1A-8933-263129D2AF90}" type="datetimeFigureOut">
               <a:rPr lang="en-US" dirty="0"/>
-              <a:t>10/29/2025</a:t>
+              <a:t>11/20/2025</a:t>
             </a:fld>
             <a:endParaRPr lang="en-US" dirty="0"/>
           </a:p>
@@ -21680,7 +21680,7 @@
                 </a:solidFill>
               </a:rPr>
               <a:pPr/>
-              <a:t>10/29/2025</a:t>
+              <a:t>11/20/2025</a:t>
             </a:fld>
             <a:endParaRPr lang="en-US">
               <a:solidFill>
@@ -25687,7 +25687,7 @@
                     <a:lstStyle/>
                     <a:p>
                       <a:r>
-                        <a:rPr lang="en-US" sz="1200" b="0">
+                        <a:rPr lang="en-US" sz="1200" b="0" dirty="0">
                           <a:effectLst/>
                           <a:latin typeface="Cambria" panose="02040503050406030204" pitchFamily="18" charset="0"/>
                           <a:ea typeface="Cambria" panose="02040503050406030204" pitchFamily="18" charset="0"/>
@@ -25695,14 +25695,14 @@
                         <a:t>- Creating organizations &amp; projects</a:t>
                       </a:r>
                       <a:br>
-                        <a:rPr lang="en-US" sz="1200" b="0">
+                        <a:rPr lang="en-US" sz="1200" b="0" dirty="0">
                           <a:effectLst/>
                           <a:latin typeface="Cambria" panose="02040503050406030204" pitchFamily="18" charset="0"/>
                           <a:ea typeface="Cambria" panose="02040503050406030204" pitchFamily="18" charset="0"/>
                         </a:rPr>
                       </a:br>
                       <a:r>
-                        <a:rPr lang="en-US" sz="1200" b="0">
+                        <a:rPr lang="en-US" sz="1200" b="0" dirty="0">
                           <a:effectLst/>
                           <a:latin typeface="Cambria" panose="02040503050406030204" pitchFamily="18" charset="0"/>
                           <a:ea typeface="Cambria" panose="02040503050406030204" pitchFamily="18" charset="0"/>
@@ -25710,14 +25710,14 @@
                         <a:t>- Importing repositories (Git / TFVC)</a:t>
                       </a:r>
                       <a:br>
-                        <a:rPr lang="en-US" sz="1200" b="0">
+                        <a:rPr lang="en-US" sz="1200" b="0" dirty="0">
                           <a:effectLst/>
                           <a:latin typeface="Cambria" panose="02040503050406030204" pitchFamily="18" charset="0"/>
                           <a:ea typeface="Cambria" panose="02040503050406030204" pitchFamily="18" charset="0"/>
                         </a:rPr>
                       </a:br>
                       <a:r>
-                        <a:rPr lang="en-US" sz="1200" b="0">
+                        <a:rPr lang="en-US" sz="1200" b="0" dirty="0">
                           <a:effectLst/>
                           <a:latin typeface="Cambria" panose="02040503050406030204" pitchFamily="18" charset="0"/>
                           <a:ea typeface="Cambria" panose="02040503050406030204" pitchFamily="18" charset="0"/>
@@ -25725,14 +25725,14 @@
                         <a:t>- Branching strategies (main/develop/feature)</a:t>
                       </a:r>
                       <a:br>
-                        <a:rPr lang="en-US" sz="1200" b="0">
+                        <a:rPr lang="en-US" sz="1200" b="0" dirty="0">
                           <a:effectLst/>
                           <a:latin typeface="Cambria" panose="02040503050406030204" pitchFamily="18" charset="0"/>
                           <a:ea typeface="Cambria" panose="02040503050406030204" pitchFamily="18" charset="0"/>
                         </a:rPr>
                       </a:br>
                       <a:r>
-                        <a:rPr lang="en-US" sz="1200" b="0">
+                        <a:rPr lang="en-US" sz="1200" b="0" dirty="0">
                           <a:effectLst/>
                           <a:latin typeface="Cambria" panose="02040503050406030204" pitchFamily="18" charset="0"/>
                           <a:ea typeface="Cambria" panose="02040503050406030204" pitchFamily="18" charset="0"/>
@@ -25740,14 +25740,14 @@
                         <a:t>- Pull requests &amp; code reviews</a:t>
                       </a:r>
                       <a:br>
-                        <a:rPr lang="en-US" sz="1200" b="0">
+                        <a:rPr lang="en-US" sz="1200" b="0" dirty="0">
                           <a:effectLst/>
                           <a:latin typeface="Cambria" panose="02040503050406030204" pitchFamily="18" charset="0"/>
                           <a:ea typeface="Cambria" panose="02040503050406030204" pitchFamily="18" charset="0"/>
                         </a:rPr>
                       </a:br>
                       <a:r>
-                        <a:rPr lang="en-US" sz="1200" b="0">
+                        <a:rPr lang="en-US" sz="1200" b="0" dirty="0">
                           <a:effectLst/>
                           <a:latin typeface="Cambria" panose="02040503050406030204" pitchFamily="18" charset="0"/>
                           <a:ea typeface="Cambria" panose="02040503050406030204" pitchFamily="18" charset="0"/>
@@ -25755,14 +25755,14 @@
                         <a:t>- Policies, merge strategies &amp; branch protection</a:t>
                       </a:r>
                       <a:br>
-                        <a:rPr lang="en-US" sz="1200" b="0">
+                        <a:rPr lang="en-US" sz="1200" b="0" dirty="0">
                           <a:effectLst/>
                           <a:latin typeface="Cambria" panose="02040503050406030204" pitchFamily="18" charset="0"/>
                           <a:ea typeface="Cambria" panose="02040503050406030204" pitchFamily="18" charset="0"/>
                         </a:rPr>
                       </a:br>
                       <a:r>
-                        <a:rPr lang="en-US" sz="1200" b="0">
+                        <a:rPr lang="en-US" sz="1200" b="0" dirty="0">
                           <a:effectLst/>
                           <a:latin typeface="Cambria" panose="02040503050406030204" pitchFamily="18" charset="0"/>
                           <a:ea typeface="Cambria" panose="02040503050406030204" pitchFamily="18" charset="0"/>
@@ -25880,7 +25880,7 @@
                     <a:lstStyle/>
                     <a:p>
                       <a:r>
-                        <a:rPr lang="en-US" sz="1200" b="0">
+                        <a:rPr lang="en-US" sz="1200" b="0" dirty="0">
                           <a:effectLst/>
                           <a:latin typeface="Cambria" panose="02040503050406030204" pitchFamily="18" charset="0"/>
                           <a:ea typeface="Cambria" panose="02040503050406030204" pitchFamily="18" charset="0"/>
@@ -25937,7 +25937,7 @@
                     <a:lstStyle/>
                     <a:p>
                       <a:r>
-                        <a:rPr lang="en-US" sz="1200" b="0">
+                        <a:rPr lang="en-US" sz="1200" b="0" dirty="0">
                           <a:effectLst/>
                           <a:latin typeface="Cambria" panose="02040503050406030204" pitchFamily="18" charset="0"/>
                           <a:ea typeface="Cambria" panose="02040503050406030204" pitchFamily="18" charset="0"/>
@@ -25945,14 +25945,14 @@
                         <a:t>- Agile vs Scrum vs Kanban in Azure Boards</a:t>
                       </a:r>
                       <a:br>
-                        <a:rPr lang="en-US" sz="1200" b="0">
+                        <a:rPr lang="en-US" sz="1200" b="0" dirty="0">
                           <a:effectLst/>
                           <a:latin typeface="Cambria" panose="02040503050406030204" pitchFamily="18" charset="0"/>
                           <a:ea typeface="Cambria" panose="02040503050406030204" pitchFamily="18" charset="0"/>
                         </a:rPr>
                       </a:br>
                       <a:r>
-                        <a:rPr lang="en-US" sz="1200" b="0">
+                        <a:rPr lang="en-US" sz="1200" b="0" dirty="0">
                           <a:effectLst/>
                           <a:latin typeface="Cambria" panose="02040503050406030204" pitchFamily="18" charset="0"/>
                           <a:ea typeface="Cambria" panose="02040503050406030204" pitchFamily="18" charset="0"/>
@@ -25960,14 +25960,14 @@
                         <a:t>- Epics → Features → User Stories → Tasks</a:t>
                       </a:r>
                       <a:br>
-                        <a:rPr lang="en-US" sz="1200" b="0">
+                        <a:rPr lang="en-US" sz="1200" b="0" dirty="0">
                           <a:effectLst/>
                           <a:latin typeface="Cambria" panose="02040503050406030204" pitchFamily="18" charset="0"/>
                           <a:ea typeface="Cambria" panose="02040503050406030204" pitchFamily="18" charset="0"/>
                         </a:rPr>
                       </a:br>
                       <a:r>
-                        <a:rPr lang="en-US" sz="1200" b="0">
+                        <a:rPr lang="en-US" sz="1200" b="0" dirty="0">
                           <a:effectLst/>
                           <a:latin typeface="Cambria" panose="02040503050406030204" pitchFamily="18" charset="0"/>
                           <a:ea typeface="Cambria" panose="02040503050406030204" pitchFamily="18" charset="0"/>
@@ -25975,14 +25975,14 @@
                         <a:t>- Creating custom fields &amp; dashboards</a:t>
                       </a:r>
                       <a:br>
-                        <a:rPr lang="en-US" sz="1200" b="0">
+                        <a:rPr lang="en-US" sz="1200" b="0" dirty="0">
                           <a:effectLst/>
                           <a:latin typeface="Cambria" panose="02040503050406030204" pitchFamily="18" charset="0"/>
                           <a:ea typeface="Cambria" panose="02040503050406030204" pitchFamily="18" charset="0"/>
                         </a:rPr>
                       </a:br>
                       <a:r>
-                        <a:rPr lang="en-US" sz="1200" b="0">
+                        <a:rPr lang="en-US" sz="1200" b="0" dirty="0">
                           <a:effectLst/>
                           <a:latin typeface="Cambria" panose="02040503050406030204" pitchFamily="18" charset="0"/>
                           <a:ea typeface="Cambria" panose="02040503050406030204" pitchFamily="18" charset="0"/>
@@ -25990,14 +25990,14 @@
                         <a:t>- Sprint planning &amp; burndown charts</a:t>
                       </a:r>
                       <a:br>
-                        <a:rPr lang="en-US" sz="1200" b="0">
+                        <a:rPr lang="en-US" sz="1200" b="0" dirty="0">
                           <a:effectLst/>
                           <a:latin typeface="Cambria" panose="02040503050406030204" pitchFamily="18" charset="0"/>
                           <a:ea typeface="Cambria" panose="02040503050406030204" pitchFamily="18" charset="0"/>
                         </a:rPr>
                       </a:br>
                       <a:r>
-                        <a:rPr lang="en-US" sz="1200" b="0">
+                        <a:rPr lang="en-US" sz="1200" b="0" dirty="0">
                           <a:effectLst/>
                           <a:latin typeface="Cambria" panose="02040503050406030204" pitchFamily="18" charset="0"/>
                           <a:ea typeface="Cambria" panose="02040503050406030204" pitchFamily="18" charset="0"/>
@@ -26118,7 +26118,7 @@
                     <a:lstStyle/>
                     <a:p>
                       <a:r>
-                        <a:rPr lang="en-US" sz="1200" b="0">
+                        <a:rPr lang="en-US" sz="1200" b="0" dirty="0">
                           <a:effectLst/>
                           <a:latin typeface="Cambria" panose="02040503050406030204" pitchFamily="18" charset="0"/>
                           <a:ea typeface="Cambria" panose="02040503050406030204" pitchFamily="18" charset="0"/>
@@ -26175,7 +26175,7 @@
                     <a:lstStyle/>
                     <a:p>
                       <a:r>
-                        <a:rPr lang="en-US" sz="1200" b="0">
+                        <a:rPr lang="en-US" sz="1200" b="0" dirty="0">
                           <a:effectLst/>
                           <a:latin typeface="Cambria" panose="02040503050406030204" pitchFamily="18" charset="0"/>
                           <a:ea typeface="Cambria" panose="02040503050406030204" pitchFamily="18" charset="0"/>
@@ -26183,14 +26183,14 @@
                         <a:t>- Classic vs YAML pipelines</a:t>
                       </a:r>
                       <a:br>
-                        <a:rPr lang="en-US" sz="1200" b="0">
+                        <a:rPr lang="en-US" sz="1200" b="0" dirty="0">
                           <a:effectLst/>
                           <a:latin typeface="Cambria" panose="02040503050406030204" pitchFamily="18" charset="0"/>
                           <a:ea typeface="Cambria" panose="02040503050406030204" pitchFamily="18" charset="0"/>
                         </a:rPr>
                       </a:br>
                       <a:r>
-                        <a:rPr lang="en-US" sz="1200" b="0">
+                        <a:rPr lang="en-US" sz="1200" b="0" dirty="0">
                           <a:effectLst/>
                           <a:latin typeface="Cambria" panose="02040503050406030204" pitchFamily="18" charset="0"/>
                           <a:ea typeface="Cambria" panose="02040503050406030204" pitchFamily="18" charset="0"/>
@@ -26198,14 +26198,14 @@
                         <a:t>- Build agents (hosted vs self-hosted)</a:t>
                       </a:r>
                       <a:br>
-                        <a:rPr lang="en-US" sz="1200" b="0">
+                        <a:rPr lang="en-US" sz="1200" b="0" dirty="0">
                           <a:effectLst/>
                           <a:latin typeface="Cambria" panose="02040503050406030204" pitchFamily="18" charset="0"/>
                           <a:ea typeface="Cambria" panose="02040503050406030204" pitchFamily="18" charset="0"/>
                         </a:rPr>
                       </a:br>
                       <a:r>
-                        <a:rPr lang="en-US" sz="1200" b="0">
+                        <a:rPr lang="en-US" sz="1200" b="0" dirty="0">
                           <a:effectLst/>
                           <a:latin typeface="Cambria" panose="02040503050406030204" pitchFamily="18" charset="0"/>
                           <a:ea typeface="Cambria" panose="02040503050406030204" pitchFamily="18" charset="0"/>
@@ -26213,14 +26213,14 @@
                         <a:t>- Triggers (branch, path, PR)</a:t>
                       </a:r>
                       <a:br>
-                        <a:rPr lang="en-US" sz="1200" b="0">
+                        <a:rPr lang="en-US" sz="1200" b="0" dirty="0">
                           <a:effectLst/>
                           <a:latin typeface="Cambria" panose="02040503050406030204" pitchFamily="18" charset="0"/>
                           <a:ea typeface="Cambria" panose="02040503050406030204" pitchFamily="18" charset="0"/>
                         </a:rPr>
                       </a:br>
                       <a:r>
-                        <a:rPr lang="en-US" sz="1200" b="0">
+                        <a:rPr lang="en-US" sz="1200" b="0" dirty="0">
                           <a:effectLst/>
                           <a:latin typeface="Cambria" panose="02040503050406030204" pitchFamily="18" charset="0"/>
                           <a:ea typeface="Cambria" panose="02040503050406030204" pitchFamily="18" charset="0"/>
@@ -26228,14 +26228,14 @@
                         <a:t>- Variables &amp; secrets management</a:t>
                       </a:r>
                       <a:br>
-                        <a:rPr lang="en-US" sz="1200" b="0">
+                        <a:rPr lang="en-US" sz="1200" b="0" dirty="0">
                           <a:effectLst/>
                           <a:latin typeface="Cambria" panose="02040503050406030204" pitchFamily="18" charset="0"/>
                           <a:ea typeface="Cambria" panose="02040503050406030204" pitchFamily="18" charset="0"/>
                         </a:rPr>
                       </a:br>
                       <a:r>
-                        <a:rPr lang="en-US" sz="1200" b="0">
+                        <a:rPr lang="en-US" sz="1200" b="0" dirty="0">
                           <a:effectLst/>
                           <a:latin typeface="Cambria" panose="02040503050406030204" pitchFamily="18" charset="0"/>
                           <a:ea typeface="Cambria" panose="02040503050406030204" pitchFamily="18" charset="0"/>
@@ -26353,7 +26353,7 @@
                     <a:lstStyle/>
                     <a:p>
                       <a:r>
-                        <a:rPr lang="en-US" sz="1200" b="0">
+                        <a:rPr lang="en-US" sz="1200" b="0" dirty="0">
                           <a:effectLst/>
                           <a:latin typeface="Cambria" panose="02040503050406030204" pitchFamily="18" charset="0"/>
                           <a:ea typeface="Cambria" panose="02040503050406030204" pitchFamily="18" charset="0"/>
